--- a/BLE.pptx
+++ b/BLE.pptx
@@ -5,7 +5,7 @@
     <p:sldMasterId id="2147483648" r:id="rId1"/>
   </p:sldMasterIdLst>
   <p:notesMasterIdLst>
-    <p:notesMasterId r:id="rId9"/>
+    <p:notesMasterId r:id="rId11"/>
   </p:notesMasterIdLst>
   <p:sldIdLst>
     <p:sldId id="258" r:id="rId2"/>
@@ -13,8 +13,10 @@
     <p:sldId id="305" r:id="rId4"/>
     <p:sldId id="307" r:id="rId5"/>
     <p:sldId id="308" r:id="rId6"/>
-    <p:sldId id="306" r:id="rId7"/>
-    <p:sldId id="309" r:id="rId8"/>
+    <p:sldId id="311" r:id="rId7"/>
+    <p:sldId id="306" r:id="rId8"/>
+    <p:sldId id="309" r:id="rId9"/>
+    <p:sldId id="310" r:id="rId10"/>
   </p:sldIdLst>
   <p:sldSz cx="9144000" cy="6858000" type="screen4x3"/>
   <p:notesSz cx="6858000" cy="9144000"/>
@@ -115,7 +117,7 @@
   </p:defaultTextStyle>
   <p:extLst>
     <p:ext uri="{EFAFB233-063F-42B5-8137-9DF3F51BA10A}">
-      <p15:sldGuideLst xmlns="" xmlns:p15="http://schemas.microsoft.com/office/powerpoint/2012/main">
+      <p15:sldGuideLst xmlns:p15="http://schemas.microsoft.com/office/powerpoint/2012/main" xmlns="">
         <p15:guide id="1" orient="horz" pos="2160">
           <p15:clr>
             <a:srgbClr val="A4A3A4"/>
@@ -4391,8 +4393,8 @@
               <a:t>LE </a:t>
             </a:r>
             <a:r>
-              <a:rPr lang="ko-KR" altLang="en-US" dirty="0"/>
-              <a:t>애플리케이션프로파일은 </a:t>
+              <a:rPr lang="ko-KR" altLang="en-US" dirty="0" smtClean="0"/>
+              <a:t>애플리케이션 프로파일은 </a:t>
             </a:r>
             <a:r>
               <a:rPr lang="en-US" altLang="ko-KR" dirty="0"/>
@@ -5040,6 +5042,393 @@
 </file>
 
 <file path=ppt/slides/slide6.xml><?xml version="1.0" encoding="utf-8"?>
+<p:sld xmlns:a="http://schemas.openxmlformats.org/drawingml/2006/main" xmlns:r="http://schemas.openxmlformats.org/officeDocument/2006/relationships" xmlns:p="http://schemas.openxmlformats.org/presentationml/2006/main">
+  <p:cSld>
+    <p:spTree>
+      <p:nvGrpSpPr>
+        <p:cNvPr id="1" name=""/>
+        <p:cNvGrpSpPr/>
+        <p:nvPr/>
+      </p:nvGrpSpPr>
+      <p:grpSpPr>
+        <a:xfrm>
+          <a:off x="0" y="0"/>
+          <a:ext cx="0" cy="0"/>
+          <a:chOff x="0" y="0"/>
+          <a:chExt cx="0" cy="0"/>
+        </a:xfrm>
+      </p:grpSpPr>
+      <p:sp>
+        <p:nvSpPr>
+          <p:cNvPr id="3" name="TextBox 2"/>
+          <p:cNvSpPr txBox="1"/>
+          <p:nvPr/>
+        </p:nvSpPr>
+        <p:spPr>
+          <a:xfrm>
+            <a:off x="120474" y="339035"/>
+            <a:ext cx="8916022" cy="3970318"/>
+          </a:xfrm>
+          <a:prstGeom prst="rect">
+            <a:avLst/>
+          </a:prstGeom>
+          <a:noFill/>
+        </p:spPr>
+        <p:txBody>
+          <a:bodyPr wrap="square" rtlCol="0">
+            <a:spAutoFit/>
+          </a:bodyPr>
+          <a:lstStyle/>
+          <a:p>
+            <a:pPr marL="285750" indent="-285750">
+              <a:buFont typeface="Arial" pitchFamily="34" charset="0"/>
+              <a:buChar char="•"/>
+            </a:pPr>
+            <a:r>
+              <a:rPr lang="ko-KR" altLang="en-US" dirty="0"/>
+              <a:t>먼저 </a:t>
+            </a:r>
+            <a:r>
+              <a:rPr lang="ko-KR" altLang="en-US" dirty="0" err="1"/>
+              <a:t>폰은</a:t>
+            </a:r>
+            <a:r>
+              <a:rPr lang="ko-KR" altLang="en-US" dirty="0"/>
+              <a:t> 주변의 </a:t>
+            </a:r>
+            <a:r>
+              <a:rPr lang="en-US" altLang="ko-KR" dirty="0"/>
+              <a:t>BLE </a:t>
+            </a:r>
+            <a:r>
+              <a:rPr lang="ko-KR" altLang="en-US" dirty="0"/>
+              <a:t>장치를 </a:t>
+            </a:r>
+            <a:r>
+              <a:rPr lang="ko-KR" altLang="en-US" dirty="0" err="1"/>
+              <a:t>스캔합니다</a:t>
+            </a:r>
+            <a:r>
+              <a:rPr lang="en-US" altLang="ko-KR" dirty="0"/>
+              <a:t>. (GAP profile </a:t>
+            </a:r>
+            <a:r>
+              <a:rPr lang="ko-KR" altLang="en-US" dirty="0"/>
+              <a:t>이 정의하는 것이 이 과정</a:t>
+            </a:r>
+            <a:r>
+              <a:rPr lang="en-US" altLang="ko-KR" dirty="0"/>
+              <a:t>. </a:t>
+            </a:r>
+            <a:r>
+              <a:rPr lang="ko-KR" altLang="en-US" dirty="0"/>
+              <a:t>주기적으로 </a:t>
+            </a:r>
+            <a:r>
+              <a:rPr lang="en-US" altLang="ko-KR" dirty="0"/>
+              <a:t>advertising </a:t>
+            </a:r>
+            <a:r>
+              <a:rPr lang="ko-KR" altLang="en-US" dirty="0"/>
+              <a:t>이 되는 데이터가 어떻게 이루어져 있는지를 정의</a:t>
+            </a:r>
+            <a:r>
+              <a:rPr lang="en-US" altLang="ko-KR" dirty="0" smtClean="0"/>
+              <a:t>)</a:t>
+            </a:r>
+          </a:p>
+          <a:p>
+            <a:pPr marL="285750" indent="-285750">
+              <a:buFont typeface="Arial" pitchFamily="34" charset="0"/>
+              <a:buChar char="•"/>
+            </a:pPr>
+            <a:endParaRPr lang="en-US" altLang="ko-KR" dirty="0" smtClean="0"/>
+          </a:p>
+          <a:p>
+            <a:pPr marL="285750" indent="-285750">
+              <a:buFont typeface="Arial" pitchFamily="34" charset="0"/>
+              <a:buChar char="•"/>
+            </a:pPr>
+            <a:r>
+              <a:rPr lang="ko-KR" altLang="en-US" dirty="0" err="1" smtClean="0"/>
+              <a:t>폰은</a:t>
+            </a:r>
+            <a:r>
+              <a:rPr lang="ko-KR" altLang="en-US" dirty="0" smtClean="0"/>
+              <a:t> </a:t>
+            </a:r>
+            <a:r>
+              <a:rPr lang="ko-KR" altLang="en-US" dirty="0"/>
+              <a:t>스캔 결과에서 원하는 </a:t>
+            </a:r>
+            <a:r>
+              <a:rPr lang="en-US" altLang="ko-KR" dirty="0"/>
+              <a:t>peripheral(</a:t>
+            </a:r>
+            <a:r>
+              <a:rPr lang="ko-KR" altLang="en-US" dirty="0"/>
+              <a:t>센서장치</a:t>
+            </a:r>
+            <a:r>
+              <a:rPr lang="en-US" altLang="ko-KR" dirty="0"/>
+              <a:t>)</a:t>
+            </a:r>
+            <a:r>
+              <a:rPr lang="ko-KR" altLang="en-US" dirty="0"/>
+              <a:t>가 보이면 연결 </a:t>
+            </a:r>
+            <a:r>
+              <a:rPr lang="en-US" altLang="ko-KR" dirty="0"/>
+              <a:t>(</a:t>
+            </a:r>
+            <a:r>
+              <a:rPr lang="ko-KR" altLang="en-US" dirty="0"/>
+              <a:t>두 장치가 연결되면 센서장치는 </a:t>
+            </a:r>
+            <a:r>
+              <a:rPr lang="en-US" altLang="ko-KR" dirty="0"/>
+              <a:t>advertising</a:t>
+            </a:r>
+            <a:r>
+              <a:rPr lang="ko-KR" altLang="en-US" dirty="0"/>
+              <a:t>을 종료</a:t>
+            </a:r>
+            <a:r>
+              <a:rPr lang="en-US" altLang="ko-KR" dirty="0"/>
+              <a:t>, Central(</a:t>
+            </a:r>
+            <a:r>
+              <a:rPr lang="ko-KR" altLang="en-US" dirty="0"/>
+              <a:t>폰</a:t>
+            </a:r>
+            <a:r>
+              <a:rPr lang="en-US" altLang="ko-KR" dirty="0"/>
+              <a:t>)</a:t>
+            </a:r>
+            <a:r>
+              <a:rPr lang="ko-KR" altLang="en-US" dirty="0"/>
+              <a:t>은 </a:t>
+            </a:r>
+            <a:r>
+              <a:rPr lang="en-US" altLang="ko-KR" dirty="0"/>
+              <a:t>GATT client </a:t>
+            </a:r>
+            <a:r>
+              <a:rPr lang="ko-KR" altLang="en-US" dirty="0"/>
+              <a:t>역할을 하고 </a:t>
+            </a:r>
+            <a:r>
+              <a:rPr lang="en-US" altLang="ko-KR" dirty="0"/>
+              <a:t>GATT server</a:t>
+            </a:r>
+            <a:r>
+              <a:rPr lang="ko-KR" altLang="en-US" dirty="0"/>
+              <a:t>에 연결하는 것</a:t>
+            </a:r>
+            <a:r>
+              <a:rPr lang="en-US" altLang="ko-KR" dirty="0" smtClean="0"/>
+              <a:t>)</a:t>
+            </a:r>
+          </a:p>
+          <a:p>
+            <a:pPr marL="285750" indent="-285750">
+              <a:buFont typeface="Arial" pitchFamily="34" charset="0"/>
+              <a:buChar char="•"/>
+            </a:pPr>
+            <a:endParaRPr lang="en-US" altLang="ko-KR" dirty="0" smtClean="0"/>
+          </a:p>
+          <a:p>
+            <a:pPr marL="285750" indent="-285750">
+              <a:buFont typeface="Arial" pitchFamily="34" charset="0"/>
+              <a:buChar char="•"/>
+            </a:pPr>
+            <a:r>
+              <a:rPr lang="ko-KR" altLang="en-US" dirty="0" smtClean="0"/>
+              <a:t>이제 </a:t>
+            </a:r>
+            <a:r>
+              <a:rPr lang="ko-KR" altLang="en-US" dirty="0"/>
+              <a:t>이후부터는 </a:t>
+            </a:r>
+            <a:r>
+              <a:rPr lang="ko-KR" altLang="en-US" dirty="0" err="1"/>
+              <a:t>안드로이드</a:t>
+            </a:r>
+            <a:r>
+              <a:rPr lang="en-US" altLang="ko-KR" dirty="0"/>
+              <a:t>, </a:t>
+            </a:r>
+            <a:r>
+              <a:rPr lang="en-US" altLang="ko-KR" dirty="0" err="1"/>
+              <a:t>iOS</a:t>
+            </a:r>
+            <a:r>
+              <a:rPr lang="en-US" altLang="ko-KR" dirty="0"/>
+              <a:t> </a:t>
+            </a:r>
+            <a:r>
+              <a:rPr lang="ko-KR" altLang="en-US" dirty="0" err="1"/>
+              <a:t>프레임웍에서</a:t>
+            </a:r>
+            <a:r>
+              <a:rPr lang="ko-KR" altLang="en-US" dirty="0"/>
+              <a:t> </a:t>
+            </a:r>
+            <a:r>
+              <a:rPr lang="en-US" altLang="ko-KR" dirty="0"/>
+              <a:t>GATT client</a:t>
+            </a:r>
+            <a:r>
+              <a:rPr lang="ko-KR" altLang="en-US" dirty="0"/>
+              <a:t>를 운영하고 데이터 수신</a:t>
+            </a:r>
+            <a:r>
+              <a:rPr lang="en-US" altLang="ko-KR" dirty="0"/>
+              <a:t>, </a:t>
+            </a:r>
+            <a:r>
+              <a:rPr lang="ko-KR" altLang="en-US" dirty="0"/>
+              <a:t>연결 상태의 변화 등 각종 이벤트가 발생 할 때 </a:t>
+            </a:r>
+            <a:r>
+              <a:rPr lang="ko-KR" altLang="en-US" dirty="0" err="1"/>
+              <a:t>앱에</a:t>
+            </a:r>
+            <a:r>
+              <a:rPr lang="ko-KR" altLang="en-US" dirty="0"/>
+              <a:t> </a:t>
+            </a:r>
+            <a:r>
+              <a:rPr lang="ko-KR" altLang="en-US" dirty="0" err="1"/>
+              <a:t>알려주게됩니다</a:t>
+            </a:r>
+            <a:r>
+              <a:rPr lang="en-US" altLang="ko-KR" dirty="0"/>
+              <a:t>. (</a:t>
+            </a:r>
+            <a:r>
+              <a:rPr lang="ko-KR" altLang="en-US" dirty="0"/>
+              <a:t>이 과정을 운용하기 위해 필요한 내용들이 </a:t>
+            </a:r>
+            <a:r>
+              <a:rPr lang="en-US" altLang="ko-KR" dirty="0"/>
+              <a:t>GATT/ATT</a:t>
+            </a:r>
+            <a:r>
+              <a:rPr lang="ko-KR" altLang="en-US" dirty="0"/>
+              <a:t>에 정의됨</a:t>
+            </a:r>
+            <a:r>
+              <a:rPr lang="en-US" altLang="ko-KR" dirty="0" smtClean="0"/>
+              <a:t>)</a:t>
+            </a:r>
+          </a:p>
+          <a:p>
+            <a:pPr marL="285750" indent="-285750">
+              <a:buFont typeface="Arial" pitchFamily="34" charset="0"/>
+              <a:buChar char="•"/>
+            </a:pPr>
+            <a:endParaRPr lang="en-US" altLang="ko-KR" dirty="0" smtClean="0"/>
+          </a:p>
+          <a:p>
+            <a:pPr marL="285750" indent="-285750">
+              <a:buFont typeface="Arial" pitchFamily="34" charset="0"/>
+              <a:buChar char="•"/>
+            </a:pPr>
+            <a:r>
+              <a:rPr lang="ko-KR" altLang="en-US" dirty="0" smtClean="0"/>
+              <a:t>먼저 </a:t>
+            </a:r>
+            <a:r>
+              <a:rPr lang="ko-KR" altLang="en-US" dirty="0"/>
+              <a:t>연결된 장치의 </a:t>
+            </a:r>
+            <a:r>
+              <a:rPr lang="en-US" altLang="ko-KR" dirty="0"/>
+              <a:t>GATT </a:t>
+            </a:r>
+            <a:r>
+              <a:rPr lang="ko-KR" altLang="en-US" dirty="0"/>
+              <a:t>정보와 </a:t>
+            </a:r>
+            <a:r>
+              <a:rPr lang="en-US" altLang="ko-KR" dirty="0"/>
+              <a:t>Service  </a:t>
+            </a:r>
+            <a:r>
+              <a:rPr lang="ko-KR" altLang="en-US" dirty="0"/>
+              <a:t>정보를 수신 </a:t>
+            </a:r>
+            <a:r>
+              <a:rPr lang="en-US" altLang="ko-KR" dirty="0"/>
+              <a:t>(Service UUID </a:t>
+            </a:r>
+            <a:r>
+              <a:rPr lang="ko-KR" altLang="en-US" dirty="0"/>
+              <a:t>정보로 확인</a:t>
+            </a:r>
+            <a:r>
+              <a:rPr lang="en-US" altLang="ko-KR" dirty="0" smtClean="0"/>
+              <a:t>)</a:t>
+            </a:r>
+          </a:p>
+          <a:p>
+            <a:pPr marL="285750" indent="-285750">
+              <a:buFont typeface="Arial" pitchFamily="34" charset="0"/>
+              <a:buChar char="•"/>
+            </a:pPr>
+            <a:endParaRPr lang="en-US" altLang="ko-KR" dirty="0" smtClean="0"/>
+          </a:p>
+          <a:p>
+            <a:pPr marL="285750" indent="-285750">
+              <a:buFont typeface="Arial" pitchFamily="34" charset="0"/>
+              <a:buChar char="•"/>
+            </a:pPr>
+            <a:r>
+              <a:rPr lang="en-US" altLang="ko-KR" dirty="0" smtClean="0"/>
+              <a:t>Characteristic </a:t>
+            </a:r>
+            <a:r>
+              <a:rPr lang="ko-KR" altLang="en-US" dirty="0"/>
+              <a:t>정보 수신 </a:t>
+            </a:r>
+            <a:r>
+              <a:rPr lang="en-US" altLang="ko-KR" dirty="0"/>
+              <a:t>(UUID </a:t>
+            </a:r>
+            <a:r>
+              <a:rPr lang="ko-KR" altLang="en-US" dirty="0"/>
+              <a:t>값으로 실제 처리할 데이터를 추출</a:t>
+            </a:r>
+            <a:r>
+              <a:rPr lang="en-US" altLang="ko-KR" dirty="0"/>
+              <a:t>)</a:t>
+            </a:r>
+            <a:endParaRPr lang="ko-KR" altLang="en-US" dirty="0"/>
+          </a:p>
+        </p:txBody>
+      </p:sp>
+    </p:spTree>
+    <p:extLst>
+      <p:ext uri="{BB962C8B-B14F-4D97-AF65-F5344CB8AC3E}">
+        <p14:creationId xmlns:p14="http://schemas.microsoft.com/office/powerpoint/2010/main" val="277232112"/>
+      </p:ext>
+    </p:extLst>
+  </p:cSld>
+  <p:clrMapOvr>
+    <a:masterClrMapping/>
+  </p:clrMapOvr>
+  <p:timing>
+    <p:tnLst>
+      <p:par>
+        <p:cTn id="1" dur="indefinite" restart="never" nodeType="tmRoot"/>
+      </p:par>
+    </p:tnLst>
+  </p:timing>
+</p:sld>
+</file>
+
+<file path=ppt/slides/slide7.xml><?xml version="1.0" encoding="utf-8"?>
 <p:sld xmlns:a="http://schemas.openxmlformats.org/drawingml/2006/main" xmlns:r="http://schemas.openxmlformats.org/officeDocument/2006/relationships" xmlns:p="http://schemas.openxmlformats.org/presentationml/2006/main">
   <p:cSld>
     <p:spTree>
@@ -5347,7 +5736,7 @@
 </p:sld>
 </file>
 
-<file path=ppt/slides/slide7.xml><?xml version="1.0" encoding="utf-8"?>
+<file path=ppt/slides/slide8.xml><?xml version="1.0" encoding="utf-8"?>
 <p:sld xmlns:a="http://schemas.openxmlformats.org/drawingml/2006/main" xmlns:r="http://schemas.openxmlformats.org/officeDocument/2006/relationships" xmlns:p="http://schemas.openxmlformats.org/presentationml/2006/main">
   <p:cSld>
     <p:spTree>
@@ -5620,6 +6009,278 @@
     <p:extLst>
       <p:ext uri="{BB962C8B-B14F-4D97-AF65-F5344CB8AC3E}">
         <p14:creationId xmlns:p14="http://schemas.microsoft.com/office/powerpoint/2010/main" val="3006949548"/>
+      </p:ext>
+    </p:extLst>
+  </p:cSld>
+  <p:clrMapOvr>
+    <a:masterClrMapping/>
+  </p:clrMapOvr>
+  <p:timing>
+    <p:tnLst>
+      <p:par>
+        <p:cTn id="1" dur="indefinite" restart="never" nodeType="tmRoot"/>
+      </p:par>
+    </p:tnLst>
+  </p:timing>
+</p:sld>
+</file>
+
+<file path=ppt/slides/slide9.xml><?xml version="1.0" encoding="utf-8"?>
+<p:sld xmlns:a="http://schemas.openxmlformats.org/drawingml/2006/main" xmlns:r="http://schemas.openxmlformats.org/officeDocument/2006/relationships" xmlns:p="http://schemas.openxmlformats.org/presentationml/2006/main">
+  <p:cSld>
+    <p:spTree>
+      <p:nvGrpSpPr>
+        <p:cNvPr id="1" name=""/>
+        <p:cNvGrpSpPr/>
+        <p:nvPr/>
+      </p:nvGrpSpPr>
+      <p:grpSpPr>
+        <a:xfrm>
+          <a:off x="0" y="0"/>
+          <a:ext cx="0" cy="0"/>
+          <a:chOff x="0" y="0"/>
+          <a:chExt cx="0" cy="0"/>
+        </a:xfrm>
+      </p:grpSpPr>
+      <p:sp>
+        <p:nvSpPr>
+          <p:cNvPr id="3" name="TextBox 2"/>
+          <p:cNvSpPr txBox="1"/>
+          <p:nvPr/>
+        </p:nvSpPr>
+        <p:spPr>
+          <a:xfrm>
+            <a:off x="120474" y="186893"/>
+            <a:ext cx="8916022" cy="2893100"/>
+          </a:xfrm>
+          <a:prstGeom prst="rect">
+            <a:avLst/>
+          </a:prstGeom>
+          <a:noFill/>
+        </p:spPr>
+        <p:txBody>
+          <a:bodyPr wrap="square" rtlCol="0">
+            <a:spAutoFit/>
+          </a:bodyPr>
+          <a:lstStyle/>
+          <a:p>
+            <a:r>
+              <a:rPr lang="en-US" altLang="ko-KR" b="1" dirty="0" smtClean="0"/>
+              <a:t>Android </a:t>
+            </a:r>
+            <a:r>
+              <a:rPr lang="en-US" altLang="ko-KR" b="1" dirty="0" smtClean="0"/>
+              <a:t>5.0.1 </a:t>
+            </a:r>
+            <a:r>
+              <a:rPr lang="en-US" altLang="ko-KR" b="1" dirty="0" smtClean="0"/>
+              <a:t>(API </a:t>
+            </a:r>
+            <a:r>
+              <a:rPr lang="en-US" altLang="ko-KR" b="1" dirty="0" smtClean="0"/>
+              <a:t>21)</a:t>
+            </a:r>
+            <a:endParaRPr lang="en-US" altLang="ko-KR" b="1" dirty="0" smtClean="0"/>
+          </a:p>
+          <a:p>
+            <a:endParaRPr lang="en-US" altLang="ko-KR" b="1" dirty="0" smtClean="0"/>
+          </a:p>
+          <a:p>
+            <a:pPr marL="285750" indent="-285750">
+              <a:buFont typeface="Arial" panose="020B0604020202020204" pitchFamily="34" charset="0"/>
+              <a:buChar char="•"/>
+            </a:pPr>
+            <a:r>
+              <a:rPr lang="ko-KR" altLang="en-US" dirty="0" err="1" smtClean="0"/>
+              <a:t>부터</a:t>
+            </a:r>
+            <a:r>
+              <a:rPr lang="ko-KR" altLang="en-US" dirty="0" smtClean="0"/>
+              <a:t> </a:t>
+            </a:r>
+            <a:r>
+              <a:rPr lang="en-US" altLang="ko-KR" dirty="0" err="1"/>
+              <a:t>BluetoothAdapter</a:t>
+            </a:r>
+            <a:r>
+              <a:rPr lang="en-US" altLang="ko-KR" dirty="0"/>
+              <a:t> </a:t>
+            </a:r>
+            <a:r>
+              <a:rPr lang="ko-KR" altLang="en-US" dirty="0"/>
+              <a:t>클래스의 </a:t>
+            </a:r>
+            <a:r>
+              <a:rPr lang="en-US" altLang="ko-KR" dirty="0" err="1"/>
+              <a:t>startLeScan</a:t>
+            </a:r>
+            <a:r>
+              <a:rPr lang="en-US" altLang="ko-KR" dirty="0"/>
+              <a:t>(), </a:t>
+            </a:r>
+            <a:r>
+              <a:rPr lang="en-US" altLang="ko-KR" dirty="0" err="1"/>
+              <a:t>stopLeScan</a:t>
+            </a:r>
+            <a:r>
+              <a:rPr lang="en-US" altLang="ko-KR" dirty="0"/>
+              <a:t>() </a:t>
+            </a:r>
+            <a:r>
+              <a:rPr lang="ko-KR" altLang="en-US" dirty="0" err="1"/>
+              <a:t>메소드가</a:t>
+            </a:r>
+            <a:r>
+              <a:rPr lang="ko-KR" altLang="en-US" dirty="0"/>
+              <a:t> </a:t>
+            </a:r>
+            <a:r>
+              <a:rPr lang="en-US" altLang="ko-KR" dirty="0"/>
+              <a:t>deprecated </a:t>
+            </a:r>
+            <a:r>
+              <a:rPr lang="ko-KR" altLang="en-US" dirty="0" smtClean="0"/>
+              <a:t>되어서 </a:t>
+            </a:r>
+            <a:r>
+              <a:rPr lang="en-US" altLang="ko-KR" dirty="0" smtClean="0"/>
+              <a:t>API 21 </a:t>
+            </a:r>
+            <a:r>
+              <a:rPr lang="ko-KR" altLang="en-US" dirty="0" smtClean="0"/>
+              <a:t>부터는 </a:t>
+            </a:r>
+            <a:r>
+              <a:rPr lang="en-US" altLang="ko-KR" dirty="0" err="1" smtClean="0"/>
+              <a:t>BluetoothAdapter</a:t>
+            </a:r>
+            <a:r>
+              <a:rPr lang="en-US" altLang="ko-KR" dirty="0" smtClean="0"/>
+              <a:t> </a:t>
+            </a:r>
+            <a:r>
+              <a:rPr lang="ko-KR" altLang="en-US" dirty="0" smtClean="0"/>
+              <a:t>클래스에서 스캔을 하지 않고</a:t>
+            </a:r>
+            <a:r>
+              <a:rPr lang="en-US" altLang="ko-KR" dirty="0"/>
+              <a:t> </a:t>
+            </a:r>
+            <a:r>
+              <a:rPr lang="en-US" altLang="ko-KR" dirty="0" err="1" smtClean="0"/>
+              <a:t>BluetoothLeScanner</a:t>
+            </a:r>
+            <a:r>
+              <a:rPr lang="en-US" altLang="ko-KR" dirty="0" smtClean="0"/>
+              <a:t> </a:t>
+            </a:r>
+            <a:r>
+              <a:rPr lang="ko-KR" altLang="en-US" dirty="0" smtClean="0"/>
+              <a:t>라는 </a:t>
+            </a:r>
+            <a:r>
+              <a:rPr lang="ko-KR" altLang="en-US" dirty="0"/>
+              <a:t>클래스가 추가되어 이 클래스의 </a:t>
+            </a:r>
+            <a:r>
+              <a:rPr lang="en-US" altLang="ko-KR" dirty="0" err="1"/>
+              <a:t>startScan</a:t>
+            </a:r>
+            <a:r>
+              <a:rPr lang="en-US" altLang="ko-KR" dirty="0"/>
+              <a:t>(), </a:t>
+            </a:r>
+            <a:r>
+              <a:rPr lang="en-US" altLang="ko-KR" dirty="0" err="1"/>
+              <a:t>stopScan</a:t>
+            </a:r>
+            <a:r>
+              <a:rPr lang="en-US" altLang="ko-KR" dirty="0"/>
+              <a:t>() </a:t>
+            </a:r>
+            <a:r>
+              <a:rPr lang="ko-KR" altLang="en-US" dirty="0" err="1"/>
+              <a:t>메소드를</a:t>
+            </a:r>
+            <a:r>
+              <a:rPr lang="ko-KR" altLang="en-US" dirty="0"/>
+              <a:t> 사용해 </a:t>
+            </a:r>
+            <a:r>
+              <a:rPr lang="en-US" altLang="ko-KR" dirty="0"/>
+              <a:t>BLE </a:t>
+            </a:r>
+            <a:r>
+              <a:rPr lang="ko-KR" altLang="en-US" dirty="0"/>
+              <a:t>디바이스를 검색하도록 변하였다</a:t>
+            </a:r>
+            <a:r>
+              <a:rPr lang="en-US" altLang="ko-KR" dirty="0" smtClean="0"/>
+              <a:t>.</a:t>
+            </a:r>
+          </a:p>
+          <a:p>
+            <a:pPr marL="285750" indent="-285750">
+              <a:buFont typeface="Arial" panose="020B0604020202020204" pitchFamily="34" charset="0"/>
+              <a:buChar char="•"/>
+            </a:pPr>
+            <a:endParaRPr lang="en-US" altLang="ko-KR" dirty="0" smtClean="0"/>
+          </a:p>
+          <a:p>
+            <a:pPr marL="285750" indent="-285750">
+              <a:buFont typeface="Arial" panose="020B0604020202020204" pitchFamily="34" charset="0"/>
+              <a:buChar char="•"/>
+            </a:pPr>
+            <a:r>
+              <a:rPr lang="ko-KR" altLang="en-US" dirty="0" err="1"/>
+              <a:t>콜백</a:t>
+            </a:r>
+            <a:r>
+              <a:rPr lang="ko-KR" altLang="en-US" dirty="0"/>
+              <a:t> 역시 </a:t>
+            </a:r>
+            <a:r>
+              <a:rPr lang="en-US" altLang="ko-KR" dirty="0" err="1"/>
+              <a:t>Bluetooth.LeScanCallback</a:t>
+            </a:r>
+            <a:r>
+              <a:rPr lang="en-US" altLang="ko-KR" dirty="0"/>
+              <a:t> </a:t>
+            </a:r>
+            <a:r>
+              <a:rPr lang="ko-KR" altLang="en-US" dirty="0"/>
+              <a:t>대신 </a:t>
+            </a:r>
+            <a:r>
+              <a:rPr lang="en-US" altLang="ko-KR" dirty="0" err="1"/>
+              <a:t>ScanCallback</a:t>
+            </a:r>
+            <a:r>
+              <a:rPr lang="en-US" altLang="ko-KR" dirty="0"/>
+              <a:t> </a:t>
+            </a:r>
+            <a:r>
+              <a:rPr lang="ko-KR" altLang="en-US" dirty="0"/>
+              <a:t>클래스를 사용해야 한다</a:t>
+            </a:r>
+            <a:r>
+              <a:rPr lang="en-US" altLang="ko-KR" dirty="0"/>
+              <a:t>.</a:t>
+            </a:r>
+            <a:br>
+              <a:rPr lang="en-US" altLang="ko-KR" dirty="0"/>
+            </a:br>
+            <a:endParaRPr lang="en-US" altLang="ko-KR" b="1" dirty="0" smtClean="0"/>
+          </a:p>
+          <a:p>
+            <a:endParaRPr lang="en-US" altLang="ko-KR" sz="2000" b="1" dirty="0" smtClean="0"/>
+          </a:p>
+        </p:txBody>
+      </p:sp>
+    </p:spTree>
+    <p:extLst>
+      <p:ext uri="{BB962C8B-B14F-4D97-AF65-F5344CB8AC3E}">
+        <p14:creationId xmlns:p14="http://schemas.microsoft.com/office/powerpoint/2010/main" val="3185052487"/>
       </p:ext>
     </p:extLst>
   </p:cSld>
